--- a/筆記幫手.pptx
+++ b/筆記幫手.pptx
@@ -7,7 +7,9 @@
   <p:sldIdLst>
     <p:sldId id="256" r:id="rId2"/>
     <p:sldId id="257" r:id="rId3"/>
-    <p:sldId id="258" r:id="rId4"/>
+    <p:sldId id="259" r:id="rId4"/>
+    <p:sldId id="260" r:id="rId5"/>
+    <p:sldId id="258" r:id="rId6"/>
   </p:sldIdLst>
   <p:sldSz cx="12192000" cy="6858000"/>
   <p:notesSz cx="6858000" cy="9144000"/>
@@ -836,7 +838,7 @@
           <a:p>
             <a:fld id="{10248F17-37DC-4AF9-8DB1-3EDD5E78BB86}" type="datetimeFigureOut">
               <a:rPr lang="zh-TW" altLang="en-US" smtClean="0"/>
-              <a:t>2023/12/26</a:t>
+              <a:t>2024/1/2</a:t>
             </a:fld>
             <a:endParaRPr lang="zh-TW" altLang="en-US"/>
           </a:p>
@@ -1087,7 +1089,7 @@
           <a:p>
             <a:fld id="{10248F17-37DC-4AF9-8DB1-3EDD5E78BB86}" type="datetimeFigureOut">
               <a:rPr lang="zh-TW" altLang="en-US" smtClean="0"/>
-              <a:t>2023/12/26</a:t>
+              <a:t>2024/1/2</a:t>
             </a:fld>
             <a:endParaRPr lang="zh-TW" altLang="en-US"/>
           </a:p>
@@ -1401,7 +1403,7 @@
           <a:p>
             <a:fld id="{10248F17-37DC-4AF9-8DB1-3EDD5E78BB86}" type="datetimeFigureOut">
               <a:rPr lang="zh-TW" altLang="en-US" smtClean="0"/>
-              <a:t>2023/12/26</a:t>
+              <a:t>2024/1/2</a:t>
             </a:fld>
             <a:endParaRPr lang="zh-TW" altLang="en-US"/>
           </a:p>
@@ -1742,7 +1744,7 @@
           <a:p>
             <a:fld id="{10248F17-37DC-4AF9-8DB1-3EDD5E78BB86}" type="datetimeFigureOut">
               <a:rPr lang="zh-TW" altLang="en-US" smtClean="0"/>
-              <a:t>2023/12/26</a:t>
+              <a:t>2024/1/2</a:t>
             </a:fld>
             <a:endParaRPr lang="zh-TW" altLang="en-US"/>
           </a:p>
@@ -2056,7 +2058,7 @@
           <a:p>
             <a:fld id="{10248F17-37DC-4AF9-8DB1-3EDD5E78BB86}" type="datetimeFigureOut">
               <a:rPr lang="zh-TW" altLang="en-US" smtClean="0"/>
-              <a:t>2023/12/26</a:t>
+              <a:t>2024/1/2</a:t>
             </a:fld>
             <a:endParaRPr lang="zh-TW" altLang="en-US"/>
           </a:p>
@@ -2449,7 +2451,7 @@
           <a:p>
             <a:fld id="{10248F17-37DC-4AF9-8DB1-3EDD5E78BB86}" type="datetimeFigureOut">
               <a:rPr lang="zh-TW" altLang="en-US" smtClean="0"/>
-              <a:t>2023/12/26</a:t>
+              <a:t>2024/1/2</a:t>
             </a:fld>
             <a:endParaRPr lang="zh-TW" altLang="en-US"/>
           </a:p>
@@ -2619,7 +2621,7 @@
           <a:p>
             <a:fld id="{10248F17-37DC-4AF9-8DB1-3EDD5E78BB86}" type="datetimeFigureOut">
               <a:rPr lang="zh-TW" altLang="en-US" smtClean="0"/>
-              <a:t>2023/12/26</a:t>
+              <a:t>2024/1/2</a:t>
             </a:fld>
             <a:endParaRPr lang="zh-TW" altLang="en-US"/>
           </a:p>
@@ -2799,7 +2801,7 @@
           <a:p>
             <a:fld id="{10248F17-37DC-4AF9-8DB1-3EDD5E78BB86}" type="datetimeFigureOut">
               <a:rPr lang="zh-TW" altLang="en-US" smtClean="0"/>
-              <a:t>2023/12/26</a:t>
+              <a:t>2024/1/2</a:t>
             </a:fld>
             <a:endParaRPr lang="zh-TW" altLang="en-US"/>
           </a:p>
@@ -2975,7 +2977,7 @@
           <a:p>
             <a:fld id="{10248F17-37DC-4AF9-8DB1-3EDD5E78BB86}" type="datetimeFigureOut">
               <a:rPr lang="zh-TW" altLang="en-US" smtClean="0"/>
-              <a:t>2023/12/26</a:t>
+              <a:t>2024/1/2</a:t>
             </a:fld>
             <a:endParaRPr lang="zh-TW" altLang="en-US"/>
           </a:p>
@@ -3222,7 +3224,7 @@
           <a:p>
             <a:fld id="{10248F17-37DC-4AF9-8DB1-3EDD5E78BB86}" type="datetimeFigureOut">
               <a:rPr lang="zh-TW" altLang="en-US" smtClean="0"/>
-              <a:t>2023/12/26</a:t>
+              <a:t>2024/1/2</a:t>
             </a:fld>
             <a:endParaRPr lang="zh-TW" altLang="en-US"/>
           </a:p>
@@ -3454,7 +3456,7 @@
           <a:p>
             <a:fld id="{10248F17-37DC-4AF9-8DB1-3EDD5E78BB86}" type="datetimeFigureOut">
               <a:rPr lang="zh-TW" altLang="en-US" smtClean="0"/>
-              <a:t>2023/12/26</a:t>
+              <a:t>2024/1/2</a:t>
             </a:fld>
             <a:endParaRPr lang="zh-TW" altLang="en-US"/>
           </a:p>
@@ -3828,7 +3830,7 @@
           <a:p>
             <a:fld id="{10248F17-37DC-4AF9-8DB1-3EDD5E78BB86}" type="datetimeFigureOut">
               <a:rPr lang="zh-TW" altLang="en-US" smtClean="0"/>
-              <a:t>2023/12/26</a:t>
+              <a:t>2024/1/2</a:t>
             </a:fld>
             <a:endParaRPr lang="zh-TW" altLang="en-US"/>
           </a:p>
@@ -3951,7 +3953,7 @@
           <a:p>
             <a:fld id="{10248F17-37DC-4AF9-8DB1-3EDD5E78BB86}" type="datetimeFigureOut">
               <a:rPr lang="zh-TW" altLang="en-US" smtClean="0"/>
-              <a:t>2023/12/26</a:t>
+              <a:t>2024/1/2</a:t>
             </a:fld>
             <a:endParaRPr lang="zh-TW" altLang="en-US"/>
           </a:p>
@@ -4046,7 +4048,7 @@
           <a:p>
             <a:fld id="{10248F17-37DC-4AF9-8DB1-3EDD5E78BB86}" type="datetimeFigureOut">
               <a:rPr lang="zh-TW" altLang="en-US" smtClean="0"/>
-              <a:t>2023/12/26</a:t>
+              <a:t>2024/1/2</a:t>
             </a:fld>
             <a:endParaRPr lang="zh-TW" altLang="en-US"/>
           </a:p>
@@ -4301,7 +4303,7 @@
           <a:p>
             <a:fld id="{10248F17-37DC-4AF9-8DB1-3EDD5E78BB86}" type="datetimeFigureOut">
               <a:rPr lang="zh-TW" altLang="en-US" smtClean="0"/>
-              <a:t>2023/12/26</a:t>
+              <a:t>2024/1/2</a:t>
             </a:fld>
             <a:endParaRPr lang="zh-TW" altLang="en-US"/>
           </a:p>
@@ -4564,7 +4566,7 @@
           <a:p>
             <a:fld id="{10248F17-37DC-4AF9-8DB1-3EDD5E78BB86}" type="datetimeFigureOut">
               <a:rPr lang="zh-TW" altLang="en-US" smtClean="0"/>
-              <a:t>2023/12/26</a:t>
+              <a:t>2024/1/2</a:t>
             </a:fld>
             <a:endParaRPr lang="zh-TW" altLang="en-US"/>
           </a:p>
@@ -5307,7 +5309,7 @@
           <a:p>
             <a:fld id="{10248F17-37DC-4AF9-8DB1-3EDD5E78BB86}" type="datetimeFigureOut">
               <a:rPr lang="zh-TW" altLang="en-US" smtClean="0"/>
-              <a:t>2023/12/26</a:t>
+              <a:t>2024/1/2</a:t>
             </a:fld>
             <a:endParaRPr lang="zh-TW" altLang="en-US"/>
           </a:p>
@@ -5967,43 +5969,73 @@
         </p:nvSpPr>
         <p:spPr/>
         <p:txBody>
-          <a:bodyPr/>
-          <a:lstStyle/>
-          <a:p>
-            <a:r>
-              <a:rPr lang="zh-TW" altLang="en-US" dirty="0"/>
+          <a:bodyPr>
+            <a:normAutofit/>
+          </a:bodyPr>
+          <a:lstStyle/>
+          <a:p>
+            <a:r>
+              <a:rPr lang="zh-TW" altLang="en-US" sz="2000" dirty="0"/>
               <a:t>目的想要打造成可以方便使用者在照片的內容上做筆記</a:t>
             </a:r>
-            <a:endParaRPr lang="en-US" altLang="zh-TW" dirty="0"/>
+            <a:endParaRPr lang="en-US" altLang="zh-TW" sz="2000" dirty="0"/>
           </a:p>
           <a:p>
             <a:pPr lvl="1"/>
             <a:r>
-              <a:rPr lang="zh-TW" altLang="en-US" dirty="0"/>
+              <a:rPr lang="zh-TW" altLang="en-US" sz="2000" dirty="0"/>
               <a:t>所以想要打造成能增加效率的程式</a:t>
             </a:r>
-            <a:endParaRPr lang="en-US" altLang="zh-TW" dirty="0"/>
-          </a:p>
-          <a:p>
-            <a:endParaRPr lang="en-US" altLang="zh-TW" dirty="0"/>
-          </a:p>
-          <a:p>
-            <a:r>
-              <a:rPr lang="zh-TW" altLang="en-US" dirty="0"/>
+            <a:endParaRPr lang="en-US" altLang="zh-TW" sz="2000" dirty="0"/>
+          </a:p>
+          <a:p>
+            <a:endParaRPr lang="en-US" altLang="zh-TW" sz="2000" dirty="0"/>
+          </a:p>
+          <a:p>
+            <a:r>
+              <a:rPr lang="zh-TW" altLang="en-US" sz="2000" dirty="0"/>
               <a:t>主要使用工具</a:t>
             </a:r>
             <a:r>
-              <a:rPr lang="en-US" altLang="zh-TW" dirty="0"/>
+              <a:rPr lang="en-US" altLang="zh-TW" sz="2000" dirty="0"/>
               <a:t>:</a:t>
             </a:r>
           </a:p>
           <a:p>
             <a:pPr lvl="1"/>
             <a:r>
-              <a:rPr lang="en-US" altLang="zh-TW" dirty="0"/>
-              <a:t>canvas</a:t>
-            </a:r>
-            <a:endParaRPr lang="zh-TW" altLang="en-US" dirty="0"/>
+              <a:rPr lang="en-US" altLang="zh-TW" sz="2000" dirty="0"/>
+              <a:t>Node.js</a:t>
+            </a:r>
+          </a:p>
+          <a:p>
+            <a:pPr lvl="1"/>
+            <a:r>
+              <a:rPr lang="en-US" altLang="zh-TW" sz="2000" dirty="0"/>
+              <a:t>Express</a:t>
+            </a:r>
+          </a:p>
+          <a:p>
+            <a:pPr lvl="1"/>
+            <a:r>
+              <a:rPr lang="en-US" altLang="zh-TW" sz="2000" dirty="0"/>
+              <a:t>Mongoose</a:t>
+            </a:r>
+          </a:p>
+          <a:p>
+            <a:pPr lvl="1"/>
+            <a:r>
+              <a:rPr lang="en-US" altLang="zh-TW" sz="2000" dirty="0"/>
+              <a:t>Canvas</a:t>
+            </a:r>
+          </a:p>
+          <a:p>
+            <a:pPr lvl="1"/>
+            <a:endParaRPr lang="en-US" altLang="zh-TW" sz="2000" dirty="0"/>
+          </a:p>
+          <a:p>
+            <a:pPr lvl="1"/>
+            <a:endParaRPr lang="en-US" altLang="zh-TW" sz="2000" dirty="0"/>
           </a:p>
         </p:txBody>
       </p:sp>
@@ -6021,6 +6053,239 @@
 </file>
 
 <file path=ppt/slides/slide3.xml><?xml version="1.0" encoding="utf-8"?>
+<p:sld xmlns:a="http://schemas.openxmlformats.org/drawingml/2006/main" xmlns:r="http://schemas.openxmlformats.org/officeDocument/2006/relationships" xmlns:p="http://schemas.openxmlformats.org/presentationml/2006/main">
+  <p:cSld>
+    <p:spTree>
+      <p:nvGrpSpPr>
+        <p:cNvPr id="1" name=""/>
+        <p:cNvGrpSpPr/>
+        <p:nvPr/>
+      </p:nvGrpSpPr>
+      <p:grpSpPr>
+        <a:xfrm>
+          <a:off x="0" y="0"/>
+          <a:ext cx="0" cy="0"/>
+          <a:chOff x="0" y="0"/>
+          <a:chExt cx="0" cy="0"/>
+        </a:xfrm>
+      </p:grpSpPr>
+      <p:sp>
+        <p:nvSpPr>
+          <p:cNvPr id="2" name="標題 1">
+            <a:extLst>
+              <a:ext uri="{FF2B5EF4-FFF2-40B4-BE49-F238E27FC236}">
+                <a16:creationId xmlns:a16="http://schemas.microsoft.com/office/drawing/2014/main" id="{7B89CFDB-6A44-B882-9031-A7B78C1014DD}"/>
+              </a:ext>
+            </a:extLst>
+          </p:cNvPr>
+          <p:cNvSpPr>
+            <a:spLocks noGrp="1"/>
+          </p:cNvSpPr>
+          <p:nvPr>
+            <p:ph type="title"/>
+          </p:nvPr>
+        </p:nvSpPr>
+        <p:spPr/>
+        <p:txBody>
+          <a:bodyPr/>
+          <a:lstStyle/>
+          <a:p>
+            <a:r>
+              <a:rPr lang="zh-TW" altLang="en-US" dirty="0"/>
+              <a:t>作品特色</a:t>
+            </a:r>
+          </a:p>
+        </p:txBody>
+      </p:sp>
+      <p:sp>
+        <p:nvSpPr>
+          <p:cNvPr id="3" name="內容版面配置區 2">
+            <a:extLst>
+              <a:ext uri="{FF2B5EF4-FFF2-40B4-BE49-F238E27FC236}">
+                <a16:creationId xmlns:a16="http://schemas.microsoft.com/office/drawing/2014/main" id="{D042688A-04A0-DE4D-AFC9-34A682A35156}"/>
+              </a:ext>
+            </a:extLst>
+          </p:cNvPr>
+          <p:cNvSpPr>
+            <a:spLocks noGrp="1"/>
+          </p:cNvSpPr>
+          <p:nvPr>
+            <p:ph idx="1"/>
+          </p:nvPr>
+        </p:nvSpPr>
+        <p:spPr/>
+        <p:txBody>
+          <a:bodyPr>
+            <a:normAutofit/>
+          </a:bodyPr>
+          <a:lstStyle/>
+          <a:p>
+            <a:r>
+              <a:rPr lang="zh-TW" altLang="en-US" sz="2000" dirty="0"/>
+              <a:t>可以在插入的圖片上任意做記號</a:t>
+            </a:r>
+            <a:endParaRPr lang="en-US" altLang="zh-TW" sz="2000" dirty="0"/>
+          </a:p>
+          <a:p>
+            <a:r>
+              <a:rPr lang="zh-TW" altLang="en-US" sz="2000" dirty="0"/>
+              <a:t>若無圖片插入，可以使用白背景或是預設的透明化不</a:t>
+            </a:r>
+            <a:endParaRPr lang="en-US" altLang="zh-TW" sz="2000" dirty="0"/>
+          </a:p>
+          <a:p>
+            <a:endParaRPr lang="en-US" altLang="zh-TW" sz="2000" dirty="0"/>
+          </a:p>
+          <a:p>
+            <a:r>
+              <a:rPr lang="zh-TW" altLang="en-US" sz="2000" dirty="0"/>
+              <a:t>做完的筆記可儲存並顯示在一旁的清單上，隨時可做下載與刪除</a:t>
+            </a:r>
+            <a:endParaRPr lang="en-US" altLang="zh-TW" sz="2000" dirty="0"/>
+          </a:p>
+          <a:p>
+            <a:endParaRPr lang="en-US" altLang="zh-TW" sz="2000" dirty="0"/>
+          </a:p>
+          <a:p>
+            <a:r>
+              <a:rPr lang="zh-TW" altLang="en-US" sz="2000" dirty="0"/>
+              <a:t>可以點選紀錄中圖片來再次編輯自己想要加上的部分</a:t>
+            </a:r>
+            <a:endParaRPr lang="en-US" altLang="zh-TW" sz="2000" dirty="0"/>
+          </a:p>
+          <a:p>
+            <a:endParaRPr lang="en-US" altLang="zh-TW" sz="2000" dirty="0"/>
+          </a:p>
+          <a:p>
+            <a:r>
+              <a:rPr lang="zh-TW" altLang="en-US" sz="2000" dirty="0"/>
+              <a:t>利用透明的背景輸出</a:t>
+            </a:r>
+            <a:r>
+              <a:rPr lang="en-US" altLang="zh-TW" sz="2000" dirty="0" err="1"/>
+              <a:t>png</a:t>
+            </a:r>
+            <a:r>
+              <a:rPr lang="zh-TW" altLang="en-US" sz="2000" dirty="0"/>
+              <a:t>也許可以應用在快速地完成電子簽名檔</a:t>
+            </a:r>
+            <a:r>
+              <a:rPr lang="en-US" altLang="zh-TW" sz="2000" dirty="0"/>
+              <a:t>(</a:t>
+            </a:r>
+            <a:r>
+              <a:rPr lang="zh-TW" altLang="en-US" sz="2000" dirty="0"/>
+              <a:t>老師提醒</a:t>
+            </a:r>
+            <a:r>
+              <a:rPr lang="en-US" altLang="zh-TW" sz="2000" dirty="0"/>
+              <a:t>)</a:t>
+            </a:r>
+            <a:endParaRPr lang="zh-TW" altLang="en-US" sz="2000" dirty="0"/>
+          </a:p>
+        </p:txBody>
+      </p:sp>
+    </p:spTree>
+    <p:extLst>
+      <p:ext uri="{BB962C8B-B14F-4D97-AF65-F5344CB8AC3E}">
+        <p14:creationId xmlns:p14="http://schemas.microsoft.com/office/powerpoint/2010/main" val="1324885312"/>
+      </p:ext>
+    </p:extLst>
+  </p:cSld>
+  <p:clrMapOvr>
+    <a:masterClrMapping/>
+  </p:clrMapOvr>
+</p:sld>
+</file>
+
+<file path=ppt/slides/slide4.xml><?xml version="1.0" encoding="utf-8"?>
+<p:sld xmlns:a="http://schemas.openxmlformats.org/drawingml/2006/main" xmlns:r="http://schemas.openxmlformats.org/officeDocument/2006/relationships" xmlns:p="http://schemas.openxmlformats.org/presentationml/2006/main">
+  <p:cSld>
+    <p:spTree>
+      <p:nvGrpSpPr>
+        <p:cNvPr id="1" name=""/>
+        <p:cNvGrpSpPr/>
+        <p:nvPr/>
+      </p:nvGrpSpPr>
+      <p:grpSpPr>
+        <a:xfrm>
+          <a:off x="0" y="0"/>
+          <a:ext cx="0" cy="0"/>
+          <a:chOff x="0" y="0"/>
+          <a:chExt cx="0" cy="0"/>
+        </a:xfrm>
+      </p:grpSpPr>
+      <p:sp>
+        <p:nvSpPr>
+          <p:cNvPr id="2" name="標題 1">
+            <a:extLst>
+              <a:ext uri="{FF2B5EF4-FFF2-40B4-BE49-F238E27FC236}">
+                <a16:creationId xmlns:a16="http://schemas.microsoft.com/office/drawing/2014/main" id="{1EEF01CF-17B4-4102-39B1-6D7F7916CCF1}"/>
+              </a:ext>
+            </a:extLst>
+          </p:cNvPr>
+          <p:cNvSpPr>
+            <a:spLocks noGrp="1"/>
+          </p:cNvSpPr>
+          <p:nvPr>
+            <p:ph type="title"/>
+          </p:nvPr>
+        </p:nvSpPr>
+        <p:spPr/>
+        <p:txBody>
+          <a:bodyPr/>
+          <a:lstStyle/>
+          <a:p>
+            <a:r>
+              <a:rPr lang="zh-TW" altLang="en-US" dirty="0"/>
+              <a:t>作品展示</a:t>
+            </a:r>
+          </a:p>
+        </p:txBody>
+      </p:sp>
+      <p:pic>
+        <p:nvPicPr>
+          <p:cNvPr id="5" name="內容版面配置區 4">
+            <a:extLst>
+              <a:ext uri="{FF2B5EF4-FFF2-40B4-BE49-F238E27FC236}">
+                <a16:creationId xmlns:a16="http://schemas.microsoft.com/office/drawing/2014/main" id="{9128F1E2-38C9-81CA-B2A6-B8BBB96432B5}"/>
+              </a:ext>
+            </a:extLst>
+          </p:cNvPr>
+          <p:cNvPicPr>
+            <a:picLocks noGrp="1" noChangeAspect="1"/>
+          </p:cNvPicPr>
+          <p:nvPr>
+            <p:ph idx="1"/>
+          </p:nvPr>
+        </p:nvPicPr>
+        <p:blipFill>
+          <a:blip r:embed="rId2"/>
+          <a:stretch>
+            <a:fillRect/>
+          </a:stretch>
+        </p:blipFill>
+        <p:spPr>
+          <a:xfrm>
+            <a:off x="1310228" y="1280161"/>
+            <a:ext cx="9571544" cy="5124764"/>
+          </a:xfrm>
+        </p:spPr>
+      </p:pic>
+    </p:spTree>
+    <p:extLst>
+      <p:ext uri="{BB962C8B-B14F-4D97-AF65-F5344CB8AC3E}">
+        <p14:creationId xmlns:p14="http://schemas.microsoft.com/office/powerpoint/2010/main" val="2041285035"/>
+      </p:ext>
+    </p:extLst>
+  </p:cSld>
+  <p:clrMapOvr>
+    <a:masterClrMapping/>
+  </p:clrMapOvr>
+</p:sld>
+</file>
+
+<file path=ppt/slides/slide5.xml><?xml version="1.0" encoding="utf-8"?>
 <p:sld xmlns:a="http://schemas.openxmlformats.org/drawingml/2006/main" xmlns:r="http://schemas.openxmlformats.org/officeDocument/2006/relationships" xmlns:p="http://schemas.openxmlformats.org/presentationml/2006/main">
   <p:cSld>
     <p:spTree>
